--- a/assets/pic.pptx
+++ b/assets/pic.pptx
@@ -5,7 +5,7 @@
     <p:sldMasterId id="2147483648" r:id="rId1"/>
   </p:sldMasterIdLst>
   <p:notesMasterIdLst>
-    <p:notesMasterId r:id="rId23"/>
+    <p:notesMasterId r:id="rId25"/>
   </p:notesMasterIdLst>
   <p:sldIdLst>
     <p:sldId id="256" r:id="rId2"/>
@@ -29,6 +29,8 @@
     <p:sldId id="274" r:id="rId20"/>
     <p:sldId id="275" r:id="rId21"/>
     <p:sldId id="276" r:id="rId22"/>
+    <p:sldId id="277" r:id="rId23"/>
+    <p:sldId id="278" r:id="rId24"/>
   </p:sldIdLst>
   <p:sldSz cx="9144000" cy="6858000" type="screen4x3"/>
   <p:notesSz cx="6858000" cy="9144000"/>
@@ -228,7 +230,7 @@
           <a:p>
             <a:fld id="{0364491D-1C07-4BD4-9C57-DF144BFE5801}" type="datetimeFigureOut">
               <a:rPr lang="zh-CN" altLang="en-US" smtClean="0"/>
-              <a:t>2019/3/28</a:t>
+              <a:t>2019/7/10</a:t>
             </a:fld>
             <a:endParaRPr lang="zh-CN" altLang="en-US"/>
           </a:p>
@@ -579,6 +581,174 @@
 </p:notes>
 </file>
 
+<file path=ppt/notesSlides/notesSlide2.xml><?xml version="1.0" encoding="utf-8"?>
+<p:notes xmlns:a="http://schemas.openxmlformats.org/drawingml/2006/main" xmlns:r="http://schemas.openxmlformats.org/officeDocument/2006/relationships" xmlns:p="http://schemas.openxmlformats.org/presentationml/2006/main">
+  <p:cSld>
+    <p:spTree>
+      <p:nvGrpSpPr>
+        <p:cNvPr id="1" name=""/>
+        <p:cNvGrpSpPr/>
+        <p:nvPr/>
+      </p:nvGrpSpPr>
+      <p:grpSpPr>
+        <a:xfrm>
+          <a:off x="0" y="0"/>
+          <a:ext cx="0" cy="0"/>
+          <a:chOff x="0" y="0"/>
+          <a:chExt cx="0" cy="0"/>
+        </a:xfrm>
+      </p:grpSpPr>
+      <p:sp>
+        <p:nvSpPr>
+          <p:cNvPr id="2" name="幻灯片图像占位符 1"/>
+          <p:cNvSpPr>
+            <a:spLocks noGrp="1" noRot="1" noChangeAspect="1"/>
+          </p:cNvSpPr>
+          <p:nvPr>
+            <p:ph type="sldImg"/>
+          </p:nvPr>
+        </p:nvSpPr>
+        <p:spPr/>
+      </p:sp>
+      <p:sp>
+        <p:nvSpPr>
+          <p:cNvPr id="3" name="备注占位符 2"/>
+          <p:cNvSpPr>
+            <a:spLocks noGrp="1"/>
+          </p:cNvSpPr>
+          <p:nvPr>
+            <p:ph type="body" idx="1"/>
+          </p:nvPr>
+        </p:nvSpPr>
+        <p:spPr/>
+        <p:txBody>
+          <a:bodyPr/>
+          <a:lstStyle/>
+          <a:p>
+            <a:endParaRPr lang="zh-CN" altLang="en-US" dirty="0"/>
+          </a:p>
+        </p:txBody>
+      </p:sp>
+      <p:sp>
+        <p:nvSpPr>
+          <p:cNvPr id="4" name="灯片编号占位符 3"/>
+          <p:cNvSpPr>
+            <a:spLocks noGrp="1"/>
+          </p:cNvSpPr>
+          <p:nvPr>
+            <p:ph type="sldNum" sz="quarter" idx="5"/>
+          </p:nvPr>
+        </p:nvSpPr>
+        <p:spPr/>
+        <p:txBody>
+          <a:bodyPr/>
+          <a:lstStyle/>
+          <a:p>
+            <a:fld id="{0F4AFD82-CA4D-4012-896B-4CAEF0C155F3}" type="slidenum">
+              <a:rPr lang="zh-CN" altLang="en-US" smtClean="0"/>
+              <a:t>22</a:t>
+            </a:fld>
+            <a:endParaRPr lang="zh-CN" altLang="en-US"/>
+          </a:p>
+        </p:txBody>
+      </p:sp>
+    </p:spTree>
+    <p:extLst>
+      <p:ext uri="{BB962C8B-B14F-4D97-AF65-F5344CB8AC3E}">
+        <p14:creationId xmlns:p14="http://schemas.microsoft.com/office/powerpoint/2010/main" val="144972953"/>
+      </p:ext>
+    </p:extLst>
+  </p:cSld>
+  <p:clrMapOvr>
+    <a:masterClrMapping/>
+  </p:clrMapOvr>
+</p:notes>
+</file>
+
+<file path=ppt/notesSlides/notesSlide3.xml><?xml version="1.0" encoding="utf-8"?>
+<p:notes xmlns:a="http://schemas.openxmlformats.org/drawingml/2006/main" xmlns:r="http://schemas.openxmlformats.org/officeDocument/2006/relationships" xmlns:p="http://schemas.openxmlformats.org/presentationml/2006/main">
+  <p:cSld>
+    <p:spTree>
+      <p:nvGrpSpPr>
+        <p:cNvPr id="1" name=""/>
+        <p:cNvGrpSpPr/>
+        <p:nvPr/>
+      </p:nvGrpSpPr>
+      <p:grpSpPr>
+        <a:xfrm>
+          <a:off x="0" y="0"/>
+          <a:ext cx="0" cy="0"/>
+          <a:chOff x="0" y="0"/>
+          <a:chExt cx="0" cy="0"/>
+        </a:xfrm>
+      </p:grpSpPr>
+      <p:sp>
+        <p:nvSpPr>
+          <p:cNvPr id="2" name="幻灯片图像占位符 1"/>
+          <p:cNvSpPr>
+            <a:spLocks noGrp="1" noRot="1" noChangeAspect="1"/>
+          </p:cNvSpPr>
+          <p:nvPr>
+            <p:ph type="sldImg"/>
+          </p:nvPr>
+        </p:nvSpPr>
+        <p:spPr/>
+      </p:sp>
+      <p:sp>
+        <p:nvSpPr>
+          <p:cNvPr id="3" name="备注占位符 2"/>
+          <p:cNvSpPr>
+            <a:spLocks noGrp="1"/>
+          </p:cNvSpPr>
+          <p:nvPr>
+            <p:ph type="body" idx="1"/>
+          </p:nvPr>
+        </p:nvSpPr>
+        <p:spPr/>
+        <p:txBody>
+          <a:bodyPr/>
+          <a:lstStyle/>
+          <a:p>
+            <a:endParaRPr lang="zh-CN" altLang="en-US" dirty="0"/>
+          </a:p>
+        </p:txBody>
+      </p:sp>
+      <p:sp>
+        <p:nvSpPr>
+          <p:cNvPr id="4" name="灯片编号占位符 3"/>
+          <p:cNvSpPr>
+            <a:spLocks noGrp="1"/>
+          </p:cNvSpPr>
+          <p:nvPr>
+            <p:ph type="sldNum" sz="quarter" idx="5"/>
+          </p:nvPr>
+        </p:nvSpPr>
+        <p:spPr/>
+        <p:txBody>
+          <a:bodyPr/>
+          <a:lstStyle/>
+          <a:p>
+            <a:fld id="{0F4AFD82-CA4D-4012-896B-4CAEF0C155F3}" type="slidenum">
+              <a:rPr lang="zh-CN" altLang="en-US" smtClean="0"/>
+              <a:t>23</a:t>
+            </a:fld>
+            <a:endParaRPr lang="zh-CN" altLang="en-US"/>
+          </a:p>
+        </p:txBody>
+      </p:sp>
+    </p:spTree>
+    <p:extLst>
+      <p:ext uri="{BB962C8B-B14F-4D97-AF65-F5344CB8AC3E}">
+        <p14:creationId xmlns:p14="http://schemas.microsoft.com/office/powerpoint/2010/main" val="2831540451"/>
+      </p:ext>
+    </p:extLst>
+  </p:cSld>
+  <p:clrMapOvr>
+    <a:masterClrMapping/>
+  </p:clrMapOvr>
+</p:notes>
+</file>
+
 <file path=ppt/slideLayouts/slideLayout1.xml><?xml version="1.0" encoding="utf-8"?>
 <p:sldLayout xmlns:a="http://schemas.openxmlformats.org/drawingml/2006/main" xmlns:r="http://schemas.openxmlformats.org/officeDocument/2006/relationships" xmlns:p="http://schemas.openxmlformats.org/presentationml/2006/main" type="title" preserve="1">
   <p:cSld name="标题幻灯片">
@@ -758,7 +928,7 @@
           <a:p>
             <a:fld id="{530820CF-B880-4189-942D-D702A7CBA730}" type="datetimeFigureOut">
               <a:rPr lang="zh-CN" altLang="en-US" smtClean="0"/>
-              <a:t>2019/3/28</a:t>
+              <a:t>2019/7/10</a:t>
             </a:fld>
             <a:endParaRPr lang="zh-CN" altLang="en-US"/>
           </a:p>
@@ -921,7 +1091,7 @@
           <a:p>
             <a:fld id="{530820CF-B880-4189-942D-D702A7CBA730}" type="datetimeFigureOut">
               <a:rPr lang="zh-CN" altLang="en-US" smtClean="0"/>
-              <a:t>2019/3/28</a:t>
+              <a:t>2019/7/10</a:t>
             </a:fld>
             <a:endParaRPr lang="zh-CN" altLang="en-US"/>
           </a:p>
@@ -1094,7 +1264,7 @@
           <a:p>
             <a:fld id="{530820CF-B880-4189-942D-D702A7CBA730}" type="datetimeFigureOut">
               <a:rPr lang="zh-CN" altLang="en-US" smtClean="0"/>
-              <a:t>2019/3/28</a:t>
+              <a:t>2019/7/10</a:t>
             </a:fld>
             <a:endParaRPr lang="zh-CN" altLang="en-US"/>
           </a:p>
@@ -1257,7 +1427,7 @@
           <a:p>
             <a:fld id="{530820CF-B880-4189-942D-D702A7CBA730}" type="datetimeFigureOut">
               <a:rPr lang="zh-CN" altLang="en-US" smtClean="0"/>
-              <a:t>2019/3/28</a:t>
+              <a:t>2019/7/10</a:t>
             </a:fld>
             <a:endParaRPr lang="zh-CN" altLang="en-US"/>
           </a:p>
@@ -1497,7 +1667,7 @@
           <a:p>
             <a:fld id="{530820CF-B880-4189-942D-D702A7CBA730}" type="datetimeFigureOut">
               <a:rPr lang="zh-CN" altLang="en-US" smtClean="0"/>
-              <a:t>2019/3/28</a:t>
+              <a:t>2019/7/10</a:t>
             </a:fld>
             <a:endParaRPr lang="zh-CN" altLang="en-US"/>
           </a:p>
@@ -1777,7 +1947,7 @@
           <a:p>
             <a:fld id="{530820CF-B880-4189-942D-D702A7CBA730}" type="datetimeFigureOut">
               <a:rPr lang="zh-CN" altLang="en-US" smtClean="0"/>
-              <a:t>2019/3/28</a:t>
+              <a:t>2019/7/10</a:t>
             </a:fld>
             <a:endParaRPr lang="zh-CN" altLang="en-US"/>
           </a:p>
@@ -2191,7 +2361,7 @@
           <a:p>
             <a:fld id="{530820CF-B880-4189-942D-D702A7CBA730}" type="datetimeFigureOut">
               <a:rPr lang="zh-CN" altLang="en-US" smtClean="0"/>
-              <a:t>2019/3/28</a:t>
+              <a:t>2019/7/10</a:t>
             </a:fld>
             <a:endParaRPr lang="zh-CN" altLang="en-US"/>
           </a:p>
@@ -2303,7 +2473,7 @@
           <a:p>
             <a:fld id="{530820CF-B880-4189-942D-D702A7CBA730}" type="datetimeFigureOut">
               <a:rPr lang="zh-CN" altLang="en-US" smtClean="0"/>
-              <a:t>2019/3/28</a:t>
+              <a:t>2019/7/10</a:t>
             </a:fld>
             <a:endParaRPr lang="zh-CN" altLang="en-US"/>
           </a:p>
@@ -2393,7 +2563,7 @@
           <a:p>
             <a:fld id="{530820CF-B880-4189-942D-D702A7CBA730}" type="datetimeFigureOut">
               <a:rPr lang="zh-CN" altLang="en-US" smtClean="0"/>
-              <a:t>2019/3/28</a:t>
+              <a:t>2019/7/10</a:t>
             </a:fld>
             <a:endParaRPr lang="zh-CN" altLang="en-US"/>
           </a:p>
@@ -2663,7 +2833,7 @@
           <a:p>
             <a:fld id="{530820CF-B880-4189-942D-D702A7CBA730}" type="datetimeFigureOut">
               <a:rPr lang="zh-CN" altLang="en-US" smtClean="0"/>
-              <a:t>2019/3/28</a:t>
+              <a:t>2019/7/10</a:t>
             </a:fld>
             <a:endParaRPr lang="zh-CN" altLang="en-US"/>
           </a:p>
@@ -2910,7 +3080,7 @@
           <a:p>
             <a:fld id="{530820CF-B880-4189-942D-D702A7CBA730}" type="datetimeFigureOut">
               <a:rPr lang="zh-CN" altLang="en-US" smtClean="0"/>
-              <a:t>2019/3/28</a:t>
+              <a:t>2019/7/10</a:t>
             </a:fld>
             <a:endParaRPr lang="zh-CN" altLang="en-US"/>
           </a:p>
@@ -3116,7 +3286,7 @@
           <a:p>
             <a:fld id="{530820CF-B880-4189-942D-D702A7CBA730}" type="datetimeFigureOut">
               <a:rPr lang="zh-CN" altLang="en-US" smtClean="0"/>
-              <a:t>2019/3/28</a:t>
+              <a:t>2019/7/10</a:t>
             </a:fld>
             <a:endParaRPr lang="zh-CN" altLang="en-US"/>
           </a:p>
@@ -20215,7 +20385,7 @@
           <a:p>
             <a:pPr algn="ctr"/>
             <a:r>
-              <a:rPr lang="en-US" altLang="zh-CN">
+              <a:rPr lang="en-US" altLang="zh-CN" dirty="0">
                 <a:ln w="0"/>
                 <a:solidFill>
                   <a:schemeClr val="tx1"/>
@@ -20230,7 +20400,7 @@
               </a:rPr>
               <a:t>Object 2</a:t>
             </a:r>
-            <a:endParaRPr lang="zh-CN" altLang="en-US">
+            <a:endParaRPr lang="zh-CN" altLang="en-US" dirty="0">
               <a:ln w="0"/>
               <a:solidFill>
                 <a:schemeClr val="tx1"/>
@@ -20643,7 +20813,7 @@
           <a:p>
             <a:pPr algn="ctr"/>
             <a:r>
-              <a:rPr lang="en-US" altLang="zh-CN">
+              <a:rPr lang="en-US" altLang="zh-CN" dirty="0">
                 <a:ln w="0"/>
                 <a:solidFill>
                   <a:schemeClr val="tx1"/>
@@ -20658,7 +20828,7 @@
               </a:rPr>
               <a:t>Object 5</a:t>
             </a:r>
-            <a:endParaRPr lang="zh-CN" altLang="en-US">
+            <a:endParaRPr lang="zh-CN" altLang="en-US" dirty="0">
               <a:ln w="0"/>
               <a:solidFill>
                 <a:schemeClr val="tx1"/>
@@ -20732,7 +20902,7 @@
           <a:p>
             <a:pPr algn="ctr"/>
             <a:r>
-              <a:rPr lang="en-US" altLang="zh-CN">
+              <a:rPr lang="en-US" altLang="zh-CN" dirty="0">
                 <a:ln w="0"/>
                 <a:solidFill>
                   <a:schemeClr val="tx1"/>
@@ -20747,7 +20917,7 @@
               </a:rPr>
               <a:t>Object 6</a:t>
             </a:r>
-            <a:endParaRPr lang="zh-CN" altLang="en-US">
+            <a:endParaRPr lang="zh-CN" altLang="en-US" dirty="0">
               <a:ln w="0"/>
               <a:solidFill>
                 <a:schemeClr val="tx1"/>
@@ -21139,7 +21309,7 @@
           <a:lstStyle/>
           <a:p>
             <a:r>
-              <a:rPr lang="zh-CN" altLang="en-US">
+              <a:rPr lang="zh-CN" altLang="en-US" dirty="0">
                 <a:latin typeface="方正舒体" panose="02010601030101010101" pitchFamily="2" charset="-122"/>
                 <a:ea typeface="方正舒体" panose="02010601030101010101" pitchFamily="2" charset="-122"/>
               </a:rPr>
@@ -29947,6 +30117,1502 @@
 </p:sld>
 </file>
 
+<file path=ppt/slides/slide22.xml><?xml version="1.0" encoding="utf-8"?>
+<p:sld xmlns:a="http://schemas.openxmlformats.org/drawingml/2006/main" xmlns:r="http://schemas.openxmlformats.org/officeDocument/2006/relationships" xmlns:p="http://schemas.openxmlformats.org/presentationml/2006/main">
+  <p:cSld>
+    <p:spTree>
+      <p:nvGrpSpPr>
+        <p:cNvPr id="1" name=""/>
+        <p:cNvGrpSpPr/>
+        <p:nvPr/>
+      </p:nvGrpSpPr>
+      <p:grpSpPr>
+        <a:xfrm>
+          <a:off x="0" y="0"/>
+          <a:ext cx="0" cy="0"/>
+          <a:chOff x="0" y="0"/>
+          <a:chExt cx="0" cy="0"/>
+        </a:xfrm>
+      </p:grpSpPr>
+      <p:sp>
+        <p:nvSpPr>
+          <p:cNvPr id="15" name="矩形: 圆角 14">
+            <a:extLst>
+              <a:ext uri="{FF2B5EF4-FFF2-40B4-BE49-F238E27FC236}">
+                <a16:creationId xmlns:a16="http://schemas.microsoft.com/office/drawing/2014/main" id="{EE32A39F-4A39-4230-A352-0660BCB3A83C}"/>
+              </a:ext>
+            </a:extLst>
+          </p:cNvPr>
+          <p:cNvSpPr/>
+          <p:nvPr/>
+        </p:nvSpPr>
+        <p:spPr>
+          <a:xfrm>
+            <a:off x="1619672" y="1556792"/>
+            <a:ext cx="1368152" cy="720080"/>
+          </a:xfrm>
+          <a:prstGeom prst="roundRect">
+            <a:avLst/>
+          </a:prstGeom>
+          <a:ln>
+            <a:noFill/>
+          </a:ln>
+          <a:effectLst>
+            <a:outerShdw blurRad="50800" dist="38100" dir="2700000" algn="tl" rotWithShape="0">
+              <a:prstClr val="black">
+                <a:alpha val="40000"/>
+              </a:prstClr>
+            </a:outerShdw>
+          </a:effectLst>
+        </p:spPr>
+        <p:style>
+          <a:lnRef idx="2">
+            <a:schemeClr val="accent5">
+              <a:shade val="50000"/>
+            </a:schemeClr>
+          </a:lnRef>
+          <a:fillRef idx="1">
+            <a:schemeClr val="accent5"/>
+          </a:fillRef>
+          <a:effectRef idx="0">
+            <a:schemeClr val="accent5"/>
+          </a:effectRef>
+          <a:fontRef idx="minor">
+            <a:schemeClr val="lt1"/>
+          </a:fontRef>
+        </p:style>
+        <p:txBody>
+          <a:bodyPr rtlCol="0" anchor="ctr"/>
+          <a:lstStyle/>
+          <a:p>
+            <a:pPr algn="ctr"/>
+            <a:r>
+              <a:rPr lang="zh-CN" altLang="en-US" dirty="0">
+                <a:ln w="0"/>
+                <a:solidFill>
+                  <a:schemeClr val="tx1"/>
+                </a:solidFill>
+                <a:effectLst>
+                  <a:outerShdw blurRad="38100" dist="19050" dir="2700000" algn="tl" rotWithShape="0">
+                    <a:schemeClr val="dk1">
+                      <a:alpha val="40000"/>
+                    </a:schemeClr>
+                  </a:outerShdw>
+                </a:effectLst>
+              </a:rPr>
+              <a:t>用户类</a:t>
+            </a:r>
+          </a:p>
+        </p:txBody>
+      </p:sp>
+      <p:sp>
+        <p:nvSpPr>
+          <p:cNvPr id="16" name="矩形: 圆角 15">
+            <a:extLst>
+              <a:ext uri="{FF2B5EF4-FFF2-40B4-BE49-F238E27FC236}">
+                <a16:creationId xmlns:a16="http://schemas.microsoft.com/office/drawing/2014/main" id="{F40D17C9-5238-4FB5-A495-007A0E0AE930}"/>
+              </a:ext>
+            </a:extLst>
+          </p:cNvPr>
+          <p:cNvSpPr/>
+          <p:nvPr/>
+        </p:nvSpPr>
+        <p:spPr>
+          <a:xfrm>
+            <a:off x="4788024" y="1556792"/>
+            <a:ext cx="1656184" cy="720080"/>
+          </a:xfrm>
+          <a:prstGeom prst="roundRect">
+            <a:avLst/>
+          </a:prstGeom>
+          <a:solidFill>
+            <a:srgbClr val="92D050"/>
+          </a:solidFill>
+          <a:ln>
+            <a:noFill/>
+          </a:ln>
+          <a:effectLst>
+            <a:outerShdw blurRad="50800" dist="38100" dir="2700000" algn="tl" rotWithShape="0">
+              <a:prstClr val="black">
+                <a:alpha val="40000"/>
+              </a:prstClr>
+            </a:outerShdw>
+          </a:effectLst>
+        </p:spPr>
+        <p:style>
+          <a:lnRef idx="2">
+            <a:schemeClr val="accent5">
+              <a:shade val="50000"/>
+            </a:schemeClr>
+          </a:lnRef>
+          <a:fillRef idx="1">
+            <a:schemeClr val="accent5"/>
+          </a:fillRef>
+          <a:effectRef idx="0">
+            <a:schemeClr val="accent5"/>
+          </a:effectRef>
+          <a:fontRef idx="minor">
+            <a:schemeClr val="lt1"/>
+          </a:fontRef>
+        </p:style>
+        <p:txBody>
+          <a:bodyPr rtlCol="0" anchor="ctr"/>
+          <a:lstStyle/>
+          <a:p>
+            <a:pPr algn="ctr"/>
+            <a:r>
+              <a:rPr lang="zh-CN" altLang="en-US" dirty="0">
+                <a:ln w="0"/>
+                <a:solidFill>
+                  <a:schemeClr val="tx1"/>
+                </a:solidFill>
+                <a:effectLst>
+                  <a:outerShdw blurRad="38100" dist="19050" dir="2700000" algn="tl" rotWithShape="0">
+                    <a:schemeClr val="dk1">
+                      <a:alpha val="40000"/>
+                    </a:schemeClr>
+                  </a:outerShdw>
+                </a:effectLst>
+              </a:rPr>
+              <a:t>用户信息类</a:t>
+            </a:r>
+          </a:p>
+        </p:txBody>
+      </p:sp>
+      <p:cxnSp>
+        <p:nvCxnSpPr>
+          <p:cNvPr id="17" name="直接箭头连接符 16">
+            <a:extLst>
+              <a:ext uri="{FF2B5EF4-FFF2-40B4-BE49-F238E27FC236}">
+                <a16:creationId xmlns:a16="http://schemas.microsoft.com/office/drawing/2014/main" id="{FD35C491-A4DF-48D2-B761-52BEFE55B5C9}"/>
+              </a:ext>
+            </a:extLst>
+          </p:cNvPr>
+          <p:cNvCxnSpPr>
+            <a:cxnSpLocks/>
+            <a:stCxn id="15" idx="3"/>
+            <a:endCxn id="16" idx="1"/>
+          </p:cNvCxnSpPr>
+          <p:nvPr/>
+        </p:nvCxnSpPr>
+        <p:spPr>
+          <a:xfrm>
+            <a:off x="2987824" y="1916832"/>
+            <a:ext cx="1800200" cy="0"/>
+          </a:xfrm>
+          <a:prstGeom prst="straightConnector1">
+            <a:avLst/>
+          </a:prstGeom>
+          <a:ln w="28575">
+            <a:tailEnd type="triangle"/>
+          </a:ln>
+        </p:spPr>
+        <p:style>
+          <a:lnRef idx="1">
+            <a:schemeClr val="dk1"/>
+          </a:lnRef>
+          <a:fillRef idx="0">
+            <a:schemeClr val="dk1"/>
+          </a:fillRef>
+          <a:effectRef idx="0">
+            <a:schemeClr val="dk1"/>
+          </a:effectRef>
+          <a:fontRef idx="minor">
+            <a:schemeClr val="tx1"/>
+          </a:fontRef>
+        </p:style>
+      </p:cxnSp>
+      <p:sp>
+        <p:nvSpPr>
+          <p:cNvPr id="20" name="文本框 19">
+            <a:extLst>
+              <a:ext uri="{FF2B5EF4-FFF2-40B4-BE49-F238E27FC236}">
+                <a16:creationId xmlns:a16="http://schemas.microsoft.com/office/drawing/2014/main" id="{D1F37690-4718-4D22-AB0D-01D597CFA850}"/>
+              </a:ext>
+            </a:extLst>
+          </p:cNvPr>
+          <p:cNvSpPr txBox="1"/>
+          <p:nvPr/>
+        </p:nvSpPr>
+        <p:spPr>
+          <a:xfrm>
+            <a:off x="3564758" y="1484784"/>
+            <a:ext cx="646331" cy="369332"/>
+          </a:xfrm>
+          <a:prstGeom prst="rect">
+            <a:avLst/>
+          </a:prstGeom>
+          <a:noFill/>
+        </p:spPr>
+        <p:txBody>
+          <a:bodyPr wrap="none" rtlCol="0">
+            <a:spAutoFit/>
+          </a:bodyPr>
+          <a:lstStyle/>
+          <a:p>
+            <a:r>
+              <a:rPr lang="zh-CN" altLang="en-US" dirty="0">
+                <a:latin typeface="方正舒体" panose="02010601030101010101" pitchFamily="2" charset="-122"/>
+                <a:ea typeface="方正舒体" panose="02010601030101010101" pitchFamily="2" charset="-122"/>
+              </a:rPr>
+              <a:t>依赖</a:t>
+            </a:r>
+          </a:p>
+        </p:txBody>
+      </p:sp>
+      <p:sp>
+        <p:nvSpPr>
+          <p:cNvPr id="25" name="矩形: 圆角 24">
+            <a:extLst>
+              <a:ext uri="{FF2B5EF4-FFF2-40B4-BE49-F238E27FC236}">
+                <a16:creationId xmlns:a16="http://schemas.microsoft.com/office/drawing/2014/main" id="{E6CB5BC1-7431-4F25-B200-CEE2948F943D}"/>
+              </a:ext>
+            </a:extLst>
+          </p:cNvPr>
+          <p:cNvSpPr/>
+          <p:nvPr/>
+        </p:nvSpPr>
+        <p:spPr>
+          <a:xfrm>
+            <a:off x="2059366" y="3789041"/>
+            <a:ext cx="3996444" cy="1152127"/>
+          </a:xfrm>
+          <a:prstGeom prst="roundRect">
+            <a:avLst/>
+          </a:prstGeom>
+          <a:solidFill>
+            <a:schemeClr val="accent6">
+              <a:lumMod val="75000"/>
+            </a:schemeClr>
+          </a:solidFill>
+          <a:ln>
+            <a:noFill/>
+          </a:ln>
+          <a:effectLst>
+            <a:outerShdw blurRad="50800" dist="38100" dir="2700000" algn="tl" rotWithShape="0">
+              <a:prstClr val="black">
+                <a:alpha val="40000"/>
+              </a:prstClr>
+            </a:outerShdw>
+          </a:effectLst>
+        </p:spPr>
+        <p:style>
+          <a:lnRef idx="2">
+            <a:schemeClr val="accent5">
+              <a:shade val="50000"/>
+            </a:schemeClr>
+          </a:lnRef>
+          <a:fillRef idx="1">
+            <a:schemeClr val="accent5"/>
+          </a:fillRef>
+          <a:effectRef idx="0">
+            <a:schemeClr val="accent5"/>
+          </a:effectRef>
+          <a:fontRef idx="minor">
+            <a:schemeClr val="lt1"/>
+          </a:fontRef>
+        </p:style>
+        <p:txBody>
+          <a:bodyPr rtlCol="0" anchor="ctr"/>
+          <a:lstStyle/>
+          <a:p>
+            <a:r>
+              <a:rPr lang="en-US" altLang="zh-CN" dirty="0">
+                <a:ln w="0"/>
+                <a:solidFill>
+                  <a:schemeClr val="tx1"/>
+                </a:solidFill>
+                <a:effectLst>
+                  <a:outerShdw blurRad="38100" dist="19050" dir="2700000" algn="tl" rotWithShape="0">
+                    <a:schemeClr val="dk1">
+                      <a:alpha val="40000"/>
+                    </a:schemeClr>
+                  </a:outerShdw>
+                </a:effectLst>
+              </a:rPr>
+              <a:t>1. </a:t>
+            </a:r>
+            <a:r>
+              <a:rPr lang="zh-CN" altLang="en-US" dirty="0">
+                <a:ln w="0"/>
+                <a:solidFill>
+                  <a:schemeClr val="tx1"/>
+                </a:solidFill>
+                <a:effectLst>
+                  <a:outerShdw blurRad="38100" dist="19050" dir="2700000" algn="tl" rotWithShape="0">
+                    <a:schemeClr val="dk1">
+                      <a:alpha val="40000"/>
+                    </a:schemeClr>
+                  </a:outerShdw>
+                </a:effectLst>
+              </a:rPr>
+              <a:t>创建用户类</a:t>
+            </a:r>
+            <a:endParaRPr lang="en-US" altLang="zh-CN" dirty="0">
+              <a:ln w="0"/>
+              <a:solidFill>
+                <a:schemeClr val="tx1"/>
+              </a:solidFill>
+              <a:effectLst>
+                <a:outerShdw blurRad="38100" dist="19050" dir="2700000" algn="tl" rotWithShape="0">
+                  <a:schemeClr val="dk1">
+                    <a:alpha val="40000"/>
+                  </a:schemeClr>
+                </a:outerShdw>
+              </a:effectLst>
+            </a:endParaRPr>
+          </a:p>
+          <a:p>
+            <a:r>
+              <a:rPr lang="en-US" altLang="zh-CN" dirty="0">
+                <a:ln w="0"/>
+                <a:solidFill>
+                  <a:schemeClr val="tx1"/>
+                </a:solidFill>
+                <a:effectLst>
+                  <a:outerShdw blurRad="38100" dist="19050" dir="2700000" algn="tl" rotWithShape="0">
+                    <a:schemeClr val="dk1">
+                      <a:alpha val="40000"/>
+                    </a:schemeClr>
+                  </a:outerShdw>
+                </a:effectLst>
+              </a:rPr>
+              <a:t>2. </a:t>
+            </a:r>
+            <a:r>
+              <a:rPr lang="zh-CN" altLang="en-US" dirty="0">
+                <a:ln w="0"/>
+                <a:solidFill>
+                  <a:schemeClr val="tx1"/>
+                </a:solidFill>
+                <a:effectLst>
+                  <a:outerShdw blurRad="38100" dist="19050" dir="2700000" algn="tl" rotWithShape="0">
+                    <a:schemeClr val="dk1">
+                      <a:alpha val="40000"/>
+                    </a:schemeClr>
+                  </a:outerShdw>
+                </a:effectLst>
+              </a:rPr>
+              <a:t>创建用户信息类</a:t>
+            </a:r>
+            <a:endParaRPr lang="en-US" altLang="zh-CN" dirty="0">
+              <a:ln w="0"/>
+              <a:solidFill>
+                <a:schemeClr val="tx1"/>
+              </a:solidFill>
+              <a:effectLst>
+                <a:outerShdw blurRad="38100" dist="19050" dir="2700000" algn="tl" rotWithShape="0">
+                  <a:schemeClr val="dk1">
+                    <a:alpha val="40000"/>
+                  </a:schemeClr>
+                </a:outerShdw>
+              </a:effectLst>
+            </a:endParaRPr>
+          </a:p>
+          <a:p>
+            <a:r>
+              <a:rPr lang="en-US" altLang="zh-CN" dirty="0">
+                <a:ln w="0"/>
+                <a:solidFill>
+                  <a:schemeClr val="tx1"/>
+                </a:solidFill>
+                <a:effectLst>
+                  <a:outerShdw blurRad="38100" dist="19050" dir="2700000" algn="tl" rotWithShape="0">
+                    <a:schemeClr val="dk1">
+                      <a:alpha val="40000"/>
+                    </a:schemeClr>
+                  </a:outerShdw>
+                </a:effectLst>
+              </a:rPr>
+              <a:t>3. </a:t>
+            </a:r>
+            <a:r>
+              <a:rPr lang="zh-CN" altLang="en-US" dirty="0">
+                <a:ln w="0"/>
+                <a:solidFill>
+                  <a:schemeClr val="tx1"/>
+                </a:solidFill>
+                <a:effectLst>
+                  <a:outerShdw blurRad="38100" dist="19050" dir="2700000" algn="tl" rotWithShape="0">
+                    <a:schemeClr val="dk1">
+                      <a:alpha val="40000"/>
+                    </a:schemeClr>
+                  </a:outerShdw>
+                </a:effectLst>
+              </a:rPr>
+              <a:t>将用户信息类主动注入到用户类</a:t>
+            </a:r>
+          </a:p>
+        </p:txBody>
+      </p:sp>
+      <p:cxnSp>
+        <p:nvCxnSpPr>
+          <p:cNvPr id="26" name="直接箭头连接符 25">
+            <a:extLst>
+              <a:ext uri="{FF2B5EF4-FFF2-40B4-BE49-F238E27FC236}">
+                <a16:creationId xmlns:a16="http://schemas.microsoft.com/office/drawing/2014/main" id="{7B0556DB-0E3F-44EC-8454-59E798C3AED1}"/>
+              </a:ext>
+            </a:extLst>
+          </p:cNvPr>
+          <p:cNvCxnSpPr>
+            <a:cxnSpLocks/>
+            <a:endCxn id="16" idx="2"/>
+          </p:cNvCxnSpPr>
+          <p:nvPr/>
+        </p:nvCxnSpPr>
+        <p:spPr>
+          <a:xfrm flipV="1">
+            <a:off x="4788024" y="2276872"/>
+            <a:ext cx="828092" cy="1512169"/>
+          </a:xfrm>
+          <a:prstGeom prst="straightConnector1">
+            <a:avLst/>
+          </a:prstGeom>
+          <a:ln w="28575">
+            <a:tailEnd type="triangle"/>
+          </a:ln>
+        </p:spPr>
+        <p:style>
+          <a:lnRef idx="1">
+            <a:schemeClr val="dk1"/>
+          </a:lnRef>
+          <a:fillRef idx="0">
+            <a:schemeClr val="dk1"/>
+          </a:fillRef>
+          <a:effectRef idx="0">
+            <a:schemeClr val="dk1"/>
+          </a:effectRef>
+          <a:fontRef idx="minor">
+            <a:schemeClr val="tx1"/>
+          </a:fontRef>
+        </p:style>
+      </p:cxnSp>
+      <p:cxnSp>
+        <p:nvCxnSpPr>
+          <p:cNvPr id="28" name="直接箭头连接符 27">
+            <a:extLst>
+              <a:ext uri="{FF2B5EF4-FFF2-40B4-BE49-F238E27FC236}">
+                <a16:creationId xmlns:a16="http://schemas.microsoft.com/office/drawing/2014/main" id="{78DD749D-43E9-4491-94FA-9C8A60526473}"/>
+              </a:ext>
+            </a:extLst>
+          </p:cNvPr>
+          <p:cNvCxnSpPr>
+            <a:cxnSpLocks/>
+            <a:endCxn id="15" idx="2"/>
+          </p:cNvCxnSpPr>
+          <p:nvPr/>
+        </p:nvCxnSpPr>
+        <p:spPr>
+          <a:xfrm flipH="1" flipV="1">
+            <a:off x="2303748" y="2276872"/>
+            <a:ext cx="1000855" cy="1512169"/>
+          </a:xfrm>
+          <a:prstGeom prst="straightConnector1">
+            <a:avLst/>
+          </a:prstGeom>
+          <a:ln w="28575">
+            <a:tailEnd type="triangle"/>
+          </a:ln>
+        </p:spPr>
+        <p:style>
+          <a:lnRef idx="1">
+            <a:schemeClr val="dk1"/>
+          </a:lnRef>
+          <a:fillRef idx="0">
+            <a:schemeClr val="dk1"/>
+          </a:fillRef>
+          <a:effectRef idx="0">
+            <a:schemeClr val="dk1"/>
+          </a:effectRef>
+          <a:fontRef idx="minor">
+            <a:schemeClr val="tx1"/>
+          </a:fontRef>
+        </p:style>
+      </p:cxnSp>
+      <p:sp>
+        <p:nvSpPr>
+          <p:cNvPr id="31" name="文本框 30">
+            <a:extLst>
+              <a:ext uri="{FF2B5EF4-FFF2-40B4-BE49-F238E27FC236}">
+                <a16:creationId xmlns:a16="http://schemas.microsoft.com/office/drawing/2014/main" id="{CA8F002D-F081-40BD-BB8B-A3E80CF7ACA4}"/>
+              </a:ext>
+            </a:extLst>
+          </p:cNvPr>
+          <p:cNvSpPr txBox="1"/>
+          <p:nvPr/>
+        </p:nvSpPr>
+        <p:spPr>
+          <a:xfrm>
+            <a:off x="5476164" y="2682115"/>
+            <a:ext cx="1107996" cy="369332"/>
+          </a:xfrm>
+          <a:prstGeom prst="rect">
+            <a:avLst/>
+          </a:prstGeom>
+          <a:noFill/>
+        </p:spPr>
+        <p:txBody>
+          <a:bodyPr wrap="none" rtlCol="0">
+            <a:spAutoFit/>
+          </a:bodyPr>
+          <a:lstStyle/>
+          <a:p>
+            <a:r>
+              <a:rPr lang="zh-CN" altLang="en-US" dirty="0">
+                <a:latin typeface="方正舒体" panose="02010601030101010101" pitchFamily="2" charset="-122"/>
+                <a:ea typeface="方正舒体" panose="02010601030101010101" pitchFamily="2" charset="-122"/>
+              </a:rPr>
+              <a:t>主动创建</a:t>
+            </a:r>
+          </a:p>
+        </p:txBody>
+      </p:sp>
+      <p:sp>
+        <p:nvSpPr>
+          <p:cNvPr id="32" name="文本框 31">
+            <a:extLst>
+              <a:ext uri="{FF2B5EF4-FFF2-40B4-BE49-F238E27FC236}">
+                <a16:creationId xmlns:a16="http://schemas.microsoft.com/office/drawing/2014/main" id="{186547A0-B0CC-458F-B988-CB4FC3FAA94F}"/>
+              </a:ext>
+            </a:extLst>
+          </p:cNvPr>
+          <p:cNvSpPr txBox="1"/>
+          <p:nvPr/>
+        </p:nvSpPr>
+        <p:spPr>
+          <a:xfrm>
+            <a:off x="1475656" y="2700686"/>
+            <a:ext cx="1107996" cy="369332"/>
+          </a:xfrm>
+          <a:prstGeom prst="rect">
+            <a:avLst/>
+          </a:prstGeom>
+          <a:noFill/>
+        </p:spPr>
+        <p:txBody>
+          <a:bodyPr wrap="none" rtlCol="0">
+            <a:spAutoFit/>
+          </a:bodyPr>
+          <a:lstStyle/>
+          <a:p>
+            <a:r>
+              <a:rPr lang="zh-CN" altLang="en-US" dirty="0">
+                <a:latin typeface="方正舒体" panose="02010601030101010101" pitchFamily="2" charset="-122"/>
+                <a:ea typeface="方正舒体" panose="02010601030101010101" pitchFamily="2" charset="-122"/>
+              </a:rPr>
+              <a:t>主动创建</a:t>
+            </a:r>
+          </a:p>
+        </p:txBody>
+      </p:sp>
+      <p:sp>
+        <p:nvSpPr>
+          <p:cNvPr id="35" name="文本框 34">
+            <a:extLst>
+              <a:ext uri="{FF2B5EF4-FFF2-40B4-BE49-F238E27FC236}">
+                <a16:creationId xmlns:a16="http://schemas.microsoft.com/office/drawing/2014/main" id="{6D97AF5E-6CE5-41FD-A280-BDD71FD35DA4}"/>
+              </a:ext>
+            </a:extLst>
+          </p:cNvPr>
+          <p:cNvSpPr txBox="1"/>
+          <p:nvPr/>
+        </p:nvSpPr>
+        <p:spPr>
+          <a:xfrm>
+            <a:off x="3434681" y="3366285"/>
+            <a:ext cx="1107996" cy="369332"/>
+          </a:xfrm>
+          <a:prstGeom prst="rect">
+            <a:avLst/>
+          </a:prstGeom>
+          <a:noFill/>
+        </p:spPr>
+        <p:txBody>
+          <a:bodyPr wrap="none" rtlCol="0">
+            <a:spAutoFit/>
+          </a:bodyPr>
+          <a:lstStyle/>
+          <a:p>
+            <a:r>
+              <a:rPr lang="zh-CN" altLang="en-US" b="1" dirty="0">
+                <a:latin typeface="Adobe 黑体 Std R" panose="020B0400000000000000" pitchFamily="34" charset="-122"/>
+                <a:ea typeface="Adobe 黑体 Std R" panose="020B0400000000000000" pitchFamily="34" charset="-122"/>
+              </a:rPr>
+              <a:t>客户端类</a:t>
+            </a:r>
+          </a:p>
+        </p:txBody>
+      </p:sp>
+    </p:spTree>
+    <p:extLst>
+      <p:ext uri="{BB962C8B-B14F-4D97-AF65-F5344CB8AC3E}">
+        <p14:creationId xmlns:p14="http://schemas.microsoft.com/office/powerpoint/2010/main" val="804671688"/>
+      </p:ext>
+    </p:extLst>
+  </p:cSld>
+  <p:clrMapOvr>
+    <a:masterClrMapping/>
+  </p:clrMapOvr>
+</p:sld>
+</file>
+
+<file path=ppt/slides/slide23.xml><?xml version="1.0" encoding="utf-8"?>
+<p:sld xmlns:a="http://schemas.openxmlformats.org/drawingml/2006/main" xmlns:r="http://schemas.openxmlformats.org/officeDocument/2006/relationships" xmlns:p="http://schemas.openxmlformats.org/presentationml/2006/main">
+  <p:cSld>
+    <p:spTree>
+      <p:nvGrpSpPr>
+        <p:cNvPr id="1" name=""/>
+        <p:cNvGrpSpPr/>
+        <p:nvPr/>
+      </p:nvGrpSpPr>
+      <p:grpSpPr>
+        <a:xfrm>
+          <a:off x="0" y="0"/>
+          <a:ext cx="0" cy="0"/>
+          <a:chOff x="0" y="0"/>
+          <a:chExt cx="0" cy="0"/>
+        </a:xfrm>
+      </p:grpSpPr>
+      <p:sp>
+        <p:nvSpPr>
+          <p:cNvPr id="15" name="矩形: 圆角 14">
+            <a:extLst>
+              <a:ext uri="{FF2B5EF4-FFF2-40B4-BE49-F238E27FC236}">
+                <a16:creationId xmlns:a16="http://schemas.microsoft.com/office/drawing/2014/main" id="{EE32A39F-4A39-4230-A352-0660BCB3A83C}"/>
+              </a:ext>
+            </a:extLst>
+          </p:cNvPr>
+          <p:cNvSpPr/>
+          <p:nvPr/>
+        </p:nvSpPr>
+        <p:spPr>
+          <a:xfrm>
+            <a:off x="1710552" y="489379"/>
+            <a:ext cx="1368152" cy="720080"/>
+          </a:xfrm>
+          <a:prstGeom prst="roundRect">
+            <a:avLst/>
+          </a:prstGeom>
+          <a:ln>
+            <a:noFill/>
+          </a:ln>
+          <a:effectLst>
+            <a:outerShdw blurRad="50800" dist="38100" dir="2700000" algn="tl" rotWithShape="0">
+              <a:prstClr val="black">
+                <a:alpha val="40000"/>
+              </a:prstClr>
+            </a:outerShdw>
+          </a:effectLst>
+        </p:spPr>
+        <p:style>
+          <a:lnRef idx="2">
+            <a:schemeClr val="accent5">
+              <a:shade val="50000"/>
+            </a:schemeClr>
+          </a:lnRef>
+          <a:fillRef idx="1">
+            <a:schemeClr val="accent5"/>
+          </a:fillRef>
+          <a:effectRef idx="0">
+            <a:schemeClr val="accent5"/>
+          </a:effectRef>
+          <a:fontRef idx="minor">
+            <a:schemeClr val="lt1"/>
+          </a:fontRef>
+        </p:style>
+        <p:txBody>
+          <a:bodyPr rtlCol="0" anchor="ctr"/>
+          <a:lstStyle/>
+          <a:p>
+            <a:pPr algn="ctr"/>
+            <a:r>
+              <a:rPr lang="zh-CN" altLang="en-US" dirty="0">
+                <a:ln w="0"/>
+                <a:solidFill>
+                  <a:schemeClr val="tx1"/>
+                </a:solidFill>
+                <a:effectLst>
+                  <a:outerShdw blurRad="38100" dist="19050" dir="2700000" algn="tl" rotWithShape="0">
+                    <a:schemeClr val="dk1">
+                      <a:alpha val="40000"/>
+                    </a:schemeClr>
+                  </a:outerShdw>
+                </a:effectLst>
+              </a:rPr>
+              <a:t>用户类</a:t>
+            </a:r>
+          </a:p>
+        </p:txBody>
+      </p:sp>
+      <p:sp>
+        <p:nvSpPr>
+          <p:cNvPr id="16" name="矩形: 圆角 15">
+            <a:extLst>
+              <a:ext uri="{FF2B5EF4-FFF2-40B4-BE49-F238E27FC236}">
+                <a16:creationId xmlns:a16="http://schemas.microsoft.com/office/drawing/2014/main" id="{F40D17C9-5238-4FB5-A495-007A0E0AE930}"/>
+              </a:ext>
+            </a:extLst>
+          </p:cNvPr>
+          <p:cNvSpPr/>
+          <p:nvPr/>
+        </p:nvSpPr>
+        <p:spPr>
+          <a:xfrm>
+            <a:off x="4878904" y="489379"/>
+            <a:ext cx="1656184" cy="720080"/>
+          </a:xfrm>
+          <a:prstGeom prst="roundRect">
+            <a:avLst/>
+          </a:prstGeom>
+          <a:solidFill>
+            <a:srgbClr val="92D050"/>
+          </a:solidFill>
+          <a:ln>
+            <a:noFill/>
+          </a:ln>
+          <a:effectLst>
+            <a:outerShdw blurRad="50800" dist="38100" dir="2700000" algn="tl" rotWithShape="0">
+              <a:prstClr val="black">
+                <a:alpha val="40000"/>
+              </a:prstClr>
+            </a:outerShdw>
+          </a:effectLst>
+        </p:spPr>
+        <p:style>
+          <a:lnRef idx="2">
+            <a:schemeClr val="accent5">
+              <a:shade val="50000"/>
+            </a:schemeClr>
+          </a:lnRef>
+          <a:fillRef idx="1">
+            <a:schemeClr val="accent5"/>
+          </a:fillRef>
+          <a:effectRef idx="0">
+            <a:schemeClr val="accent5"/>
+          </a:effectRef>
+          <a:fontRef idx="minor">
+            <a:schemeClr val="lt1"/>
+          </a:fontRef>
+        </p:style>
+        <p:txBody>
+          <a:bodyPr rtlCol="0" anchor="ctr"/>
+          <a:lstStyle/>
+          <a:p>
+            <a:pPr algn="ctr"/>
+            <a:r>
+              <a:rPr lang="zh-CN" altLang="en-US" dirty="0">
+                <a:ln w="0"/>
+                <a:solidFill>
+                  <a:schemeClr val="tx1"/>
+                </a:solidFill>
+                <a:effectLst>
+                  <a:outerShdw blurRad="38100" dist="19050" dir="2700000" algn="tl" rotWithShape="0">
+                    <a:schemeClr val="dk1">
+                      <a:alpha val="40000"/>
+                    </a:schemeClr>
+                  </a:outerShdw>
+                </a:effectLst>
+              </a:rPr>
+              <a:t>用户信息类</a:t>
+            </a:r>
+          </a:p>
+        </p:txBody>
+      </p:sp>
+      <p:cxnSp>
+        <p:nvCxnSpPr>
+          <p:cNvPr id="17" name="直接箭头连接符 16">
+            <a:extLst>
+              <a:ext uri="{FF2B5EF4-FFF2-40B4-BE49-F238E27FC236}">
+                <a16:creationId xmlns:a16="http://schemas.microsoft.com/office/drawing/2014/main" id="{FD35C491-A4DF-48D2-B761-52BEFE55B5C9}"/>
+              </a:ext>
+            </a:extLst>
+          </p:cNvPr>
+          <p:cNvCxnSpPr>
+            <a:cxnSpLocks/>
+            <a:stCxn id="15" idx="3"/>
+            <a:endCxn id="16" idx="1"/>
+          </p:cNvCxnSpPr>
+          <p:nvPr/>
+        </p:nvCxnSpPr>
+        <p:spPr>
+          <a:xfrm>
+            <a:off x="3078704" y="849419"/>
+            <a:ext cx="1800200" cy="0"/>
+          </a:xfrm>
+          <a:prstGeom prst="straightConnector1">
+            <a:avLst/>
+          </a:prstGeom>
+          <a:ln w="28575">
+            <a:tailEnd type="triangle"/>
+          </a:ln>
+        </p:spPr>
+        <p:style>
+          <a:lnRef idx="1">
+            <a:schemeClr val="dk1"/>
+          </a:lnRef>
+          <a:fillRef idx="0">
+            <a:schemeClr val="dk1"/>
+          </a:fillRef>
+          <a:effectRef idx="0">
+            <a:schemeClr val="dk1"/>
+          </a:effectRef>
+          <a:fontRef idx="minor">
+            <a:schemeClr val="tx1"/>
+          </a:fontRef>
+        </p:style>
+      </p:cxnSp>
+      <p:sp>
+        <p:nvSpPr>
+          <p:cNvPr id="20" name="文本框 19">
+            <a:extLst>
+              <a:ext uri="{FF2B5EF4-FFF2-40B4-BE49-F238E27FC236}">
+                <a16:creationId xmlns:a16="http://schemas.microsoft.com/office/drawing/2014/main" id="{D1F37690-4718-4D22-AB0D-01D597CFA850}"/>
+              </a:ext>
+            </a:extLst>
+          </p:cNvPr>
+          <p:cNvSpPr txBox="1"/>
+          <p:nvPr/>
+        </p:nvSpPr>
+        <p:spPr>
+          <a:xfrm>
+            <a:off x="3655638" y="417371"/>
+            <a:ext cx="646331" cy="369332"/>
+          </a:xfrm>
+          <a:prstGeom prst="rect">
+            <a:avLst/>
+          </a:prstGeom>
+          <a:noFill/>
+        </p:spPr>
+        <p:txBody>
+          <a:bodyPr wrap="none" rtlCol="0">
+            <a:spAutoFit/>
+          </a:bodyPr>
+          <a:lstStyle/>
+          <a:p>
+            <a:r>
+              <a:rPr lang="zh-CN" altLang="en-US" dirty="0">
+                <a:latin typeface="方正舒体" panose="02010601030101010101" pitchFamily="2" charset="-122"/>
+                <a:ea typeface="方正舒体" panose="02010601030101010101" pitchFamily="2" charset="-122"/>
+              </a:rPr>
+              <a:t>依赖</a:t>
+            </a:r>
+          </a:p>
+        </p:txBody>
+      </p:sp>
+      <p:sp>
+        <p:nvSpPr>
+          <p:cNvPr id="25" name="矩形: 圆角 24">
+            <a:extLst>
+              <a:ext uri="{FF2B5EF4-FFF2-40B4-BE49-F238E27FC236}">
+                <a16:creationId xmlns:a16="http://schemas.microsoft.com/office/drawing/2014/main" id="{E6CB5BC1-7431-4F25-B200-CEE2948F943D}"/>
+              </a:ext>
+            </a:extLst>
+          </p:cNvPr>
+          <p:cNvSpPr/>
+          <p:nvPr/>
+        </p:nvSpPr>
+        <p:spPr>
+          <a:xfrm>
+            <a:off x="3319401" y="5229200"/>
+            <a:ext cx="1818202" cy="542656"/>
+          </a:xfrm>
+          <a:prstGeom prst="roundRect">
+            <a:avLst/>
+          </a:prstGeom>
+          <a:solidFill>
+            <a:schemeClr val="accent6">
+              <a:lumMod val="75000"/>
+            </a:schemeClr>
+          </a:solidFill>
+          <a:ln>
+            <a:noFill/>
+          </a:ln>
+          <a:effectLst>
+            <a:outerShdw blurRad="50800" dist="38100" dir="2700000" algn="tl" rotWithShape="0">
+              <a:prstClr val="black">
+                <a:alpha val="40000"/>
+              </a:prstClr>
+            </a:outerShdw>
+          </a:effectLst>
+        </p:spPr>
+        <p:style>
+          <a:lnRef idx="2">
+            <a:schemeClr val="accent5">
+              <a:shade val="50000"/>
+            </a:schemeClr>
+          </a:lnRef>
+          <a:fillRef idx="1">
+            <a:schemeClr val="accent5"/>
+          </a:fillRef>
+          <a:effectRef idx="0">
+            <a:schemeClr val="accent5"/>
+          </a:effectRef>
+          <a:fontRef idx="minor">
+            <a:schemeClr val="lt1"/>
+          </a:fontRef>
+        </p:style>
+        <p:txBody>
+          <a:bodyPr rtlCol="0" anchor="ctr"/>
+          <a:lstStyle/>
+          <a:p>
+            <a:pPr algn="ctr"/>
+            <a:r>
+              <a:rPr lang="zh-CN" altLang="en-US" dirty="0">
+                <a:ln w="0"/>
+                <a:solidFill>
+                  <a:schemeClr val="tx1"/>
+                </a:solidFill>
+                <a:effectLst>
+                  <a:outerShdw blurRad="38100" dist="19050" dir="2700000" algn="tl" rotWithShape="0">
+                    <a:schemeClr val="dk1">
+                      <a:alpha val="40000"/>
+                    </a:schemeClr>
+                  </a:outerShdw>
+                </a:effectLst>
+              </a:rPr>
+              <a:t>客户端类</a:t>
+            </a:r>
+          </a:p>
+        </p:txBody>
+      </p:sp>
+      <p:cxnSp>
+        <p:nvCxnSpPr>
+          <p:cNvPr id="26" name="直接箭头连接符 25">
+            <a:extLst>
+              <a:ext uri="{FF2B5EF4-FFF2-40B4-BE49-F238E27FC236}">
+                <a16:creationId xmlns:a16="http://schemas.microsoft.com/office/drawing/2014/main" id="{7B0556DB-0E3F-44EC-8454-59E798C3AED1}"/>
+              </a:ext>
+            </a:extLst>
+          </p:cNvPr>
+          <p:cNvCxnSpPr>
+            <a:cxnSpLocks/>
+            <a:endCxn id="16" idx="2"/>
+          </p:cNvCxnSpPr>
+          <p:nvPr/>
+        </p:nvCxnSpPr>
+        <p:spPr>
+          <a:xfrm flipV="1">
+            <a:off x="4878904" y="1209459"/>
+            <a:ext cx="828092" cy="1512169"/>
+          </a:xfrm>
+          <a:prstGeom prst="straightConnector1">
+            <a:avLst/>
+          </a:prstGeom>
+          <a:ln w="28575">
+            <a:tailEnd type="triangle"/>
+          </a:ln>
+        </p:spPr>
+        <p:style>
+          <a:lnRef idx="1">
+            <a:schemeClr val="dk1"/>
+          </a:lnRef>
+          <a:fillRef idx="0">
+            <a:schemeClr val="dk1"/>
+          </a:fillRef>
+          <a:effectRef idx="0">
+            <a:schemeClr val="dk1"/>
+          </a:effectRef>
+          <a:fontRef idx="minor">
+            <a:schemeClr val="tx1"/>
+          </a:fontRef>
+        </p:style>
+      </p:cxnSp>
+      <p:cxnSp>
+        <p:nvCxnSpPr>
+          <p:cNvPr id="28" name="直接箭头连接符 27">
+            <a:extLst>
+              <a:ext uri="{FF2B5EF4-FFF2-40B4-BE49-F238E27FC236}">
+                <a16:creationId xmlns:a16="http://schemas.microsoft.com/office/drawing/2014/main" id="{78DD749D-43E9-4491-94FA-9C8A60526473}"/>
+              </a:ext>
+            </a:extLst>
+          </p:cNvPr>
+          <p:cNvCxnSpPr>
+            <a:cxnSpLocks/>
+            <a:endCxn id="15" idx="2"/>
+          </p:cNvCxnSpPr>
+          <p:nvPr/>
+        </p:nvCxnSpPr>
+        <p:spPr>
+          <a:xfrm flipH="1" flipV="1">
+            <a:off x="2394628" y="1209459"/>
+            <a:ext cx="1000855" cy="1512169"/>
+          </a:xfrm>
+          <a:prstGeom prst="straightConnector1">
+            <a:avLst/>
+          </a:prstGeom>
+          <a:ln w="28575">
+            <a:tailEnd type="triangle"/>
+          </a:ln>
+        </p:spPr>
+        <p:style>
+          <a:lnRef idx="1">
+            <a:schemeClr val="dk1"/>
+          </a:lnRef>
+          <a:fillRef idx="0">
+            <a:schemeClr val="dk1"/>
+          </a:fillRef>
+          <a:effectRef idx="0">
+            <a:schemeClr val="dk1"/>
+          </a:effectRef>
+          <a:fontRef idx="minor">
+            <a:schemeClr val="tx1"/>
+          </a:fontRef>
+        </p:style>
+      </p:cxnSp>
+      <p:sp>
+        <p:nvSpPr>
+          <p:cNvPr id="31" name="文本框 30">
+            <a:extLst>
+              <a:ext uri="{FF2B5EF4-FFF2-40B4-BE49-F238E27FC236}">
+                <a16:creationId xmlns:a16="http://schemas.microsoft.com/office/drawing/2014/main" id="{CA8F002D-F081-40BD-BB8B-A3E80CF7ACA4}"/>
+              </a:ext>
+            </a:extLst>
+          </p:cNvPr>
+          <p:cNvSpPr txBox="1"/>
+          <p:nvPr/>
+        </p:nvSpPr>
+        <p:spPr>
+          <a:xfrm>
+            <a:off x="5567044" y="1614702"/>
+            <a:ext cx="1107996" cy="369332"/>
+          </a:xfrm>
+          <a:prstGeom prst="rect">
+            <a:avLst/>
+          </a:prstGeom>
+          <a:noFill/>
+        </p:spPr>
+        <p:txBody>
+          <a:bodyPr wrap="none" rtlCol="0">
+            <a:spAutoFit/>
+          </a:bodyPr>
+          <a:lstStyle/>
+          <a:p>
+            <a:r>
+              <a:rPr lang="zh-CN" altLang="en-US" dirty="0">
+                <a:latin typeface="方正舒体" panose="02010601030101010101" pitchFamily="2" charset="-122"/>
+                <a:ea typeface="方正舒体" panose="02010601030101010101" pitchFamily="2" charset="-122"/>
+              </a:rPr>
+              <a:t>主动创建</a:t>
+            </a:r>
+          </a:p>
+        </p:txBody>
+      </p:sp>
+      <p:sp>
+        <p:nvSpPr>
+          <p:cNvPr id="32" name="文本框 31">
+            <a:extLst>
+              <a:ext uri="{FF2B5EF4-FFF2-40B4-BE49-F238E27FC236}">
+                <a16:creationId xmlns:a16="http://schemas.microsoft.com/office/drawing/2014/main" id="{186547A0-B0CC-458F-B988-CB4FC3FAA94F}"/>
+              </a:ext>
+            </a:extLst>
+          </p:cNvPr>
+          <p:cNvSpPr txBox="1"/>
+          <p:nvPr/>
+        </p:nvSpPr>
+        <p:spPr>
+          <a:xfrm>
+            <a:off x="1566536" y="1633273"/>
+            <a:ext cx="1107996" cy="369332"/>
+          </a:xfrm>
+          <a:prstGeom prst="rect">
+            <a:avLst/>
+          </a:prstGeom>
+          <a:noFill/>
+        </p:spPr>
+        <p:txBody>
+          <a:bodyPr wrap="none" rtlCol="0">
+            <a:spAutoFit/>
+          </a:bodyPr>
+          <a:lstStyle/>
+          <a:p>
+            <a:r>
+              <a:rPr lang="zh-CN" altLang="en-US" dirty="0">
+                <a:latin typeface="方正舒体" panose="02010601030101010101" pitchFamily="2" charset="-122"/>
+                <a:ea typeface="方正舒体" panose="02010601030101010101" pitchFamily="2" charset="-122"/>
+              </a:rPr>
+              <a:t>主动创建</a:t>
+            </a:r>
+          </a:p>
+        </p:txBody>
+      </p:sp>
+      <p:sp>
+        <p:nvSpPr>
+          <p:cNvPr id="35" name="文本框 34">
+            <a:extLst>
+              <a:ext uri="{FF2B5EF4-FFF2-40B4-BE49-F238E27FC236}">
+                <a16:creationId xmlns:a16="http://schemas.microsoft.com/office/drawing/2014/main" id="{6D97AF5E-6CE5-41FD-A280-BDD71FD35DA4}"/>
+              </a:ext>
+            </a:extLst>
+          </p:cNvPr>
+          <p:cNvSpPr txBox="1"/>
+          <p:nvPr/>
+        </p:nvSpPr>
+        <p:spPr>
+          <a:xfrm>
+            <a:off x="3530788" y="2311231"/>
+            <a:ext cx="1099981" cy="369332"/>
+          </a:xfrm>
+          <a:prstGeom prst="rect">
+            <a:avLst/>
+          </a:prstGeom>
+          <a:noFill/>
+        </p:spPr>
+        <p:txBody>
+          <a:bodyPr wrap="none" rtlCol="0">
+            <a:spAutoFit/>
+          </a:bodyPr>
+          <a:lstStyle/>
+          <a:p>
+            <a:r>
+              <a:rPr lang="en-US" altLang="zh-CN" b="1" dirty="0" err="1">
+                <a:latin typeface="Adobe 黑体 Std R" panose="020B0400000000000000" pitchFamily="34" charset="-122"/>
+                <a:ea typeface="Adobe 黑体 Std R" panose="020B0400000000000000" pitchFamily="34" charset="-122"/>
+              </a:rPr>
+              <a:t>IoC</a:t>
+            </a:r>
+            <a:r>
+              <a:rPr lang="en-US" altLang="zh-CN" b="1" dirty="0">
+                <a:latin typeface="Adobe 黑体 Std R" panose="020B0400000000000000" pitchFamily="34" charset="-122"/>
+                <a:ea typeface="Adobe 黑体 Std R" panose="020B0400000000000000" pitchFamily="34" charset="-122"/>
+              </a:rPr>
+              <a:t> </a:t>
+            </a:r>
+            <a:r>
+              <a:rPr lang="zh-CN" altLang="en-US" b="1" dirty="0">
+                <a:latin typeface="Adobe 黑体 Std R" panose="020B0400000000000000" pitchFamily="34" charset="-122"/>
+                <a:ea typeface="Adobe 黑体 Std R" panose="020B0400000000000000" pitchFamily="34" charset="-122"/>
+              </a:rPr>
+              <a:t>容器</a:t>
+            </a:r>
+          </a:p>
+        </p:txBody>
+      </p:sp>
+      <p:sp>
+        <p:nvSpPr>
+          <p:cNvPr id="12" name="矩形: 圆角 11">
+            <a:extLst>
+              <a:ext uri="{FF2B5EF4-FFF2-40B4-BE49-F238E27FC236}">
+                <a16:creationId xmlns:a16="http://schemas.microsoft.com/office/drawing/2014/main" id="{E5766A37-0A97-4BE8-8A3D-34577715B72E}"/>
+              </a:ext>
+            </a:extLst>
+          </p:cNvPr>
+          <p:cNvSpPr/>
+          <p:nvPr/>
+        </p:nvSpPr>
+        <p:spPr>
+          <a:xfrm>
+            <a:off x="2212867" y="2733987"/>
+            <a:ext cx="3996444" cy="1584191"/>
+          </a:xfrm>
+          <a:prstGeom prst="roundRect">
+            <a:avLst/>
+          </a:prstGeom>
+          <a:solidFill>
+            <a:schemeClr val="bg1">
+              <a:lumMod val="65000"/>
+            </a:schemeClr>
+          </a:solidFill>
+          <a:ln>
+            <a:noFill/>
+          </a:ln>
+          <a:effectLst>
+            <a:outerShdw blurRad="50800" dist="38100" dir="2700000" algn="tl" rotWithShape="0">
+              <a:prstClr val="black">
+                <a:alpha val="40000"/>
+              </a:prstClr>
+            </a:outerShdw>
+          </a:effectLst>
+        </p:spPr>
+        <p:style>
+          <a:lnRef idx="2">
+            <a:schemeClr val="accent5">
+              <a:shade val="50000"/>
+            </a:schemeClr>
+          </a:lnRef>
+          <a:fillRef idx="1">
+            <a:schemeClr val="accent5"/>
+          </a:fillRef>
+          <a:effectRef idx="0">
+            <a:schemeClr val="accent5"/>
+          </a:effectRef>
+          <a:fontRef idx="minor">
+            <a:schemeClr val="lt1"/>
+          </a:fontRef>
+        </p:style>
+        <p:txBody>
+          <a:bodyPr rtlCol="0" anchor="ctr"/>
+          <a:lstStyle/>
+          <a:p>
+            <a:r>
+              <a:rPr lang="en-US" altLang="zh-CN" dirty="0">
+                <a:ln w="0"/>
+                <a:solidFill>
+                  <a:schemeClr val="tx1"/>
+                </a:solidFill>
+                <a:effectLst>
+                  <a:outerShdw blurRad="38100" dist="19050" dir="2700000" algn="tl" rotWithShape="0">
+                    <a:schemeClr val="dk1">
+                      <a:alpha val="40000"/>
+                    </a:schemeClr>
+                  </a:outerShdw>
+                </a:effectLst>
+              </a:rPr>
+              <a:t>1. </a:t>
+            </a:r>
+            <a:r>
+              <a:rPr lang="zh-CN" altLang="en-US" dirty="0">
+                <a:ln w="0"/>
+                <a:solidFill>
+                  <a:schemeClr val="tx1"/>
+                </a:solidFill>
+                <a:effectLst>
+                  <a:outerShdw blurRad="38100" dist="19050" dir="2700000" algn="tl" rotWithShape="0">
+                    <a:schemeClr val="dk1">
+                      <a:alpha val="40000"/>
+                    </a:schemeClr>
+                  </a:outerShdw>
+                </a:effectLst>
+              </a:rPr>
+              <a:t>创建用户类</a:t>
+            </a:r>
+            <a:endParaRPr lang="en-US" altLang="zh-CN" dirty="0">
+              <a:ln w="0"/>
+              <a:solidFill>
+                <a:schemeClr val="tx1"/>
+              </a:solidFill>
+              <a:effectLst>
+                <a:outerShdw blurRad="38100" dist="19050" dir="2700000" algn="tl" rotWithShape="0">
+                  <a:schemeClr val="dk1">
+                    <a:alpha val="40000"/>
+                  </a:schemeClr>
+                </a:outerShdw>
+              </a:effectLst>
+            </a:endParaRPr>
+          </a:p>
+          <a:p>
+            <a:r>
+              <a:rPr lang="en-US" altLang="zh-CN" dirty="0">
+                <a:ln w="0"/>
+                <a:solidFill>
+                  <a:schemeClr val="tx1"/>
+                </a:solidFill>
+                <a:effectLst>
+                  <a:outerShdw blurRad="38100" dist="19050" dir="2700000" algn="tl" rotWithShape="0">
+                    <a:schemeClr val="dk1">
+                      <a:alpha val="40000"/>
+                    </a:schemeClr>
+                  </a:outerShdw>
+                </a:effectLst>
+              </a:rPr>
+              <a:t>2. </a:t>
+            </a:r>
+            <a:r>
+              <a:rPr lang="zh-CN" altLang="en-US" dirty="0">
+                <a:ln w="0"/>
+                <a:solidFill>
+                  <a:schemeClr val="tx1"/>
+                </a:solidFill>
+                <a:effectLst>
+                  <a:outerShdw blurRad="38100" dist="19050" dir="2700000" algn="tl" rotWithShape="0">
+                    <a:schemeClr val="dk1">
+                      <a:alpha val="40000"/>
+                    </a:schemeClr>
+                  </a:outerShdw>
+                </a:effectLst>
+              </a:rPr>
+              <a:t>看用户类是否有依赖对象需要注入</a:t>
+            </a:r>
+            <a:endParaRPr lang="en-US" altLang="zh-CN" dirty="0">
+              <a:ln w="0"/>
+              <a:solidFill>
+                <a:schemeClr val="tx1"/>
+              </a:solidFill>
+              <a:effectLst>
+                <a:outerShdw blurRad="38100" dist="19050" dir="2700000" algn="tl" rotWithShape="0">
+                  <a:schemeClr val="dk1">
+                    <a:alpha val="40000"/>
+                  </a:schemeClr>
+                </a:outerShdw>
+              </a:effectLst>
+            </a:endParaRPr>
+          </a:p>
+          <a:p>
+            <a:r>
+              <a:rPr lang="en-US" altLang="zh-CN" dirty="0">
+                <a:ln w="0"/>
+                <a:solidFill>
+                  <a:schemeClr val="tx1"/>
+                </a:solidFill>
+                <a:effectLst>
+                  <a:outerShdw blurRad="38100" dist="19050" dir="2700000" algn="tl" rotWithShape="0">
+                    <a:schemeClr val="dk1">
+                      <a:alpha val="40000"/>
+                    </a:schemeClr>
+                  </a:outerShdw>
+                </a:effectLst>
+              </a:rPr>
+              <a:t>3. </a:t>
+            </a:r>
+            <a:r>
+              <a:rPr lang="zh-CN" altLang="en-US" dirty="0">
+                <a:ln w="0"/>
+                <a:solidFill>
+                  <a:schemeClr val="tx1"/>
+                </a:solidFill>
+                <a:effectLst>
+                  <a:outerShdw blurRad="38100" dist="19050" dir="2700000" algn="tl" rotWithShape="0">
+                    <a:schemeClr val="dk1">
+                      <a:alpha val="40000"/>
+                    </a:schemeClr>
+                  </a:outerShdw>
+                </a:effectLst>
+              </a:rPr>
+              <a:t>有用户信息类需要注入，首先创建用户信息类，然后将其注入到用户类</a:t>
+            </a:r>
+            <a:endParaRPr lang="en-US" altLang="zh-CN" dirty="0">
+              <a:ln w="0"/>
+              <a:solidFill>
+                <a:schemeClr val="tx1"/>
+              </a:solidFill>
+              <a:effectLst>
+                <a:outerShdw blurRad="38100" dist="19050" dir="2700000" algn="tl" rotWithShape="0">
+                  <a:schemeClr val="dk1">
+                    <a:alpha val="40000"/>
+                  </a:schemeClr>
+                </a:outerShdw>
+              </a:effectLst>
+            </a:endParaRPr>
+          </a:p>
+          <a:p>
+            <a:r>
+              <a:rPr lang="en-US" altLang="zh-CN" dirty="0">
+                <a:ln w="0"/>
+                <a:solidFill>
+                  <a:schemeClr val="tx1"/>
+                </a:solidFill>
+                <a:effectLst>
+                  <a:outerShdw blurRad="38100" dist="19050" dir="2700000" algn="tl" rotWithShape="0">
+                    <a:schemeClr val="dk1">
+                      <a:alpha val="40000"/>
+                    </a:schemeClr>
+                  </a:outerShdw>
+                </a:effectLst>
+              </a:rPr>
+              <a:t>4. </a:t>
+            </a:r>
+            <a:r>
+              <a:rPr lang="zh-CN" altLang="en-US" dirty="0">
+                <a:ln w="0"/>
+                <a:solidFill>
+                  <a:schemeClr val="tx1"/>
+                </a:solidFill>
+                <a:effectLst>
+                  <a:outerShdw blurRad="38100" dist="19050" dir="2700000" algn="tl" rotWithShape="0">
+                    <a:schemeClr val="dk1">
+                      <a:alpha val="40000"/>
+                    </a:schemeClr>
+                  </a:outerShdw>
+                </a:effectLst>
+              </a:rPr>
+              <a:t>由容器管理这些对象的生命周期</a:t>
+            </a:r>
+          </a:p>
+        </p:txBody>
+      </p:sp>
+      <p:cxnSp>
+        <p:nvCxnSpPr>
+          <p:cNvPr id="13" name="直接箭头连接符 12">
+            <a:extLst>
+              <a:ext uri="{FF2B5EF4-FFF2-40B4-BE49-F238E27FC236}">
+                <a16:creationId xmlns:a16="http://schemas.microsoft.com/office/drawing/2014/main" id="{FBE54A8A-5801-46CF-99AB-4EC8F0A645DB}"/>
+              </a:ext>
+            </a:extLst>
+          </p:cNvPr>
+          <p:cNvCxnSpPr>
+            <a:cxnSpLocks/>
+            <a:stCxn id="25" idx="0"/>
+            <a:endCxn id="12" idx="2"/>
+          </p:cNvCxnSpPr>
+          <p:nvPr/>
+        </p:nvCxnSpPr>
+        <p:spPr>
+          <a:xfrm flipH="1" flipV="1">
+            <a:off x="4211089" y="4318178"/>
+            <a:ext cx="17413" cy="911022"/>
+          </a:xfrm>
+          <a:prstGeom prst="straightConnector1">
+            <a:avLst/>
+          </a:prstGeom>
+          <a:ln w="28575">
+            <a:tailEnd type="triangle"/>
+          </a:ln>
+        </p:spPr>
+        <p:style>
+          <a:lnRef idx="1">
+            <a:schemeClr val="dk1"/>
+          </a:lnRef>
+          <a:fillRef idx="0">
+            <a:schemeClr val="dk1"/>
+          </a:fillRef>
+          <a:effectRef idx="0">
+            <a:schemeClr val="dk1"/>
+          </a:effectRef>
+          <a:fontRef idx="minor">
+            <a:schemeClr val="tx1"/>
+          </a:fontRef>
+        </p:style>
+      </p:cxnSp>
+      <p:sp>
+        <p:nvSpPr>
+          <p:cNvPr id="18" name="文本框 17">
+            <a:extLst>
+              <a:ext uri="{FF2B5EF4-FFF2-40B4-BE49-F238E27FC236}">
+                <a16:creationId xmlns:a16="http://schemas.microsoft.com/office/drawing/2014/main" id="{56E28332-75A6-4F0C-BACC-37D7C977D4A3}"/>
+              </a:ext>
+            </a:extLst>
+          </p:cNvPr>
+          <p:cNvSpPr txBox="1"/>
+          <p:nvPr/>
+        </p:nvSpPr>
+        <p:spPr>
+          <a:xfrm>
+            <a:off x="4368168" y="4589023"/>
+            <a:ext cx="1338828" cy="369332"/>
+          </a:xfrm>
+          <a:prstGeom prst="rect">
+            <a:avLst/>
+          </a:prstGeom>
+          <a:noFill/>
+        </p:spPr>
+        <p:txBody>
+          <a:bodyPr wrap="none" rtlCol="0">
+            <a:spAutoFit/>
+          </a:bodyPr>
+          <a:lstStyle/>
+          <a:p>
+            <a:r>
+              <a:rPr lang="zh-CN" altLang="en-US" dirty="0">
+                <a:latin typeface="方正舒体" panose="02010601030101010101" pitchFamily="2" charset="-122"/>
+                <a:ea typeface="方正舒体" panose="02010601030101010101" pitchFamily="2" charset="-122"/>
+              </a:rPr>
+              <a:t>获取用户类</a:t>
+            </a:r>
+          </a:p>
+        </p:txBody>
+      </p:sp>
+    </p:spTree>
+    <p:extLst>
+      <p:ext uri="{BB962C8B-B14F-4D97-AF65-F5344CB8AC3E}">
+        <p14:creationId xmlns:p14="http://schemas.microsoft.com/office/powerpoint/2010/main" val="3643961157"/>
+      </p:ext>
+    </p:extLst>
+  </p:cSld>
+  <p:clrMapOvr>
+    <a:masterClrMapping/>
+  </p:clrMapOvr>
+</p:sld>
+</file>
+
 <file path=ppt/slides/slide3.xml><?xml version="1.0" encoding="utf-8"?>
 <p:sld xmlns:a="http://schemas.openxmlformats.org/drawingml/2006/main" xmlns:r="http://schemas.openxmlformats.org/officeDocument/2006/relationships" xmlns:p="http://schemas.openxmlformats.org/presentationml/2006/main">
   <p:cSld>
